--- a/Curriculum/Week_3/Lecture/3.4_Frontend_vs_Backend.pptx
+++ b/Curriculum/Week_3/Lecture/3.4_Frontend_vs_Backend.pptx
@@ -795,7 +795,7 @@
         </p:nvSpPr>
         <p:spPr>
           <a:xfrm>
-            <a:off x="381300" y="685800"/>
+            <a:off x="381000" y="685800"/>
             <a:ext cx="6096000" cy="3429000"/>
           </a:xfrm>
           <a:custGeom>
@@ -914,7 +914,7 @@
         </p:nvSpPr>
         <p:spPr>
           <a:xfrm>
-            <a:off x="381300" y="685800"/>
+            <a:off x="381000" y="685800"/>
             <a:ext cx="6096000" cy="3429000"/>
           </a:xfrm>
           <a:custGeom>
@@ -1031,7 +1031,7 @@
         </p:nvSpPr>
         <p:spPr>
           <a:xfrm>
-            <a:off x="381300" y="685800"/>
+            <a:off x="381000" y="685800"/>
             <a:ext cx="6096000" cy="3429000"/>
           </a:xfrm>
           <a:custGeom>
@@ -1402,7 +1402,7 @@
         </p:nvSpPr>
         <p:spPr>
           <a:xfrm>
-            <a:off x="381300" y="685800"/>
+            <a:off x="381000" y="685800"/>
             <a:ext cx="6096000" cy="3429000"/>
           </a:xfrm>
           <a:custGeom>
@@ -1904,7 +1904,7 @@
         </p:nvSpPr>
         <p:spPr>
           <a:xfrm>
-            <a:off x="381300" y="685800"/>
+            <a:off x="381000" y="685800"/>
             <a:ext cx="6096000" cy="3429000"/>
           </a:xfrm>
           <a:custGeom>
@@ -2021,7 +2021,7 @@
         </p:nvSpPr>
         <p:spPr>
           <a:xfrm>
-            <a:off x="381300" y="685800"/>
+            <a:off x="381000" y="685800"/>
             <a:ext cx="6096000" cy="3429000"/>
           </a:xfrm>
           <a:custGeom>
@@ -2138,7 +2138,7 @@
         </p:nvSpPr>
         <p:spPr>
           <a:xfrm>
-            <a:off x="381300" y="685800"/>
+            <a:off x="381000" y="685800"/>
             <a:ext cx="6096000" cy="3429000"/>
           </a:xfrm>
           <a:custGeom>
@@ -9230,7 +9230,7 @@
           <a:p>
             <a:pPr marL="0" marR="0" lvl="0" indent="0" algn="l" rtl="0">
               <a:lnSpc>
-                <a:spcPct val="115000"/>
+                <a:spcPct val="100000"/>
               </a:lnSpc>
               <a:spcBef>
                 <a:spcPts val="0"/>
@@ -9605,7 +9605,7 @@
           <a:p>
             <a:pPr marL="0" marR="0" lvl="0" indent="0" algn="l" rtl="0">
               <a:lnSpc>
-                <a:spcPct val="115000"/>
+                <a:spcPct val="100000"/>
               </a:lnSpc>
               <a:spcBef>
                 <a:spcPts val="0"/>
@@ -9621,7 +9621,7 @@
               <a:buNone/>
             </a:pPr>
             <a:r>
-              <a:rPr lang="en" b="1" i="0" u="none" strike="noStrike" cap="none">
+              <a:rPr lang="en" b="1" i="0" u="none" strike="noStrike" cap="none" dirty="0">
                 <a:solidFill>
                   <a:schemeClr val="dk2"/>
                 </a:solidFill>
@@ -9633,11 +9633,11 @@
               <a:t>On the Facebook homepage, </a:t>
             </a:r>
             <a:r>
-              <a:rPr lang="en" b="1"/>
+              <a:rPr lang="en" b="1" dirty="0"/>
               <a:t>the</a:t>
             </a:r>
             <a:r>
-              <a:rPr lang="en" b="1" i="0" u="none" strike="noStrike" cap="none">
+              <a:rPr lang="en" b="1" i="0" u="none" strike="noStrike" cap="none" dirty="0">
                 <a:solidFill>
                   <a:schemeClr val="dk2"/>
                 </a:solidFill>
@@ -9668,7 +9668,7 @@
               <a:buChar char="●"/>
             </a:pPr>
             <a:r>
-              <a:rPr lang="en" b="0" i="0" u="none" strike="noStrike" cap="none">
+              <a:rPr lang="en" b="0" i="0" u="none" strike="noStrike" cap="none" dirty="0">
                 <a:solidFill>
                   <a:schemeClr val="dk2"/>
                 </a:solidFill>
@@ -9699,7 +9699,7 @@
               <a:buChar char="●"/>
             </a:pPr>
             <a:r>
-              <a:rPr lang="en" b="0" i="0" u="none" strike="noStrike" cap="none">
+              <a:rPr lang="en" b="0" i="0" u="none" strike="noStrike" cap="none" dirty="0">
                 <a:solidFill>
                   <a:schemeClr val="dk2"/>
                 </a:solidFill>
@@ -9711,11 +9711,11 @@
               <a:t>Javascript </a:t>
             </a:r>
             <a:r>
-              <a:rPr lang="en"/>
+              <a:rPr lang="en" dirty="0"/>
               <a:t>fetches</a:t>
             </a:r>
             <a:r>
-              <a:rPr lang="en" b="0" i="0" u="none" strike="noStrike" cap="none">
+              <a:rPr lang="en" b="0" i="0" u="none" strike="noStrike" cap="none" dirty="0">
                 <a:solidFill>
                   <a:schemeClr val="dk2"/>
                 </a:solidFill>
@@ -9727,11 +9727,11 @@
               <a:t> the newest stories from your friends</a:t>
             </a:r>
             <a:r>
-              <a:rPr lang="en"/>
+              <a:rPr lang="en" dirty="0"/>
               <a:t> </a:t>
             </a:r>
             <a:r>
-              <a:rPr lang="en" b="0" i="0" u="none" strike="noStrike" cap="none">
+              <a:rPr lang="en" b="0" i="0" u="none" strike="noStrike" cap="none" dirty="0">
                 <a:solidFill>
                   <a:schemeClr val="dk2"/>
                 </a:solidFill>
@@ -9758,7 +9758,7 @@
               <a:buChar char="●"/>
             </a:pPr>
             <a:r>
-              <a:rPr lang="en"/>
+              <a:rPr lang="en" dirty="0"/>
               <a:t>The backend calculates which stories to send back, and then sends it back in some pre-agreed upon format (and most likely in JSON).</a:t>
             </a:r>
           </a:p>
@@ -9777,7 +9777,7 @@
               <a:buChar char="●"/>
             </a:pPr>
             <a:r>
-              <a:rPr lang="en"/>
+              <a:rPr lang="en" dirty="0"/>
               <a:t>The frontend renders the data it got back from the backend.</a:t>
             </a:r>
           </a:p>
@@ -9800,11 +9800,11 @@
               <a:buChar char="●"/>
             </a:pPr>
             <a:r>
-              <a:rPr lang="en"/>
+              <a:rPr lang="en" dirty="0"/>
               <a:t>T</a:t>
             </a:r>
             <a:r>
-              <a:rPr lang="en" b="0" i="0" u="none" strike="noStrike" cap="none">
+              <a:rPr lang="en" b="0" i="0" u="none" strike="noStrike" cap="none" dirty="0">
                 <a:solidFill>
                   <a:schemeClr val="dk2"/>
                 </a:solidFill>
@@ -9816,11 +9816,11 @@
               <a:t>he Javascript code </a:t>
             </a:r>
             <a:r>
-              <a:rPr lang="en"/>
+              <a:rPr lang="en" dirty="0"/>
               <a:t>then</a:t>
             </a:r>
             <a:r>
-              <a:rPr lang="en" b="0" i="0" u="none" strike="noStrike" cap="none">
+              <a:rPr lang="en" b="0" i="0" u="none" strike="noStrike" cap="none" dirty="0">
                 <a:solidFill>
                   <a:schemeClr val="dk2"/>
                 </a:solidFill>
@@ -9832,11 +9832,11 @@
               <a:t> continuously </a:t>
             </a:r>
             <a:r>
-              <a:rPr lang="en"/>
+              <a:rPr lang="en" dirty="0"/>
               <a:t>polls</a:t>
             </a:r>
             <a:r>
-              <a:rPr lang="en" b="0" i="0" u="none" strike="noStrike" cap="none">
+              <a:rPr lang="en" b="0" i="0" u="none" strike="noStrike" cap="none" dirty="0">
                 <a:solidFill>
                   <a:schemeClr val="dk2"/>
                 </a:solidFill>
@@ -9848,11 +9848,11 @@
               <a:t> the Facebook server for new stories, and </a:t>
             </a:r>
             <a:r>
-              <a:rPr lang="en"/>
+              <a:rPr lang="en" dirty="0"/>
               <a:t>updates the</a:t>
             </a:r>
             <a:r>
-              <a:rPr lang="en" b="0" i="0" u="none" strike="noStrike" cap="none">
+              <a:rPr lang="en" b="0" i="0" u="none" strike="noStrike" cap="none" dirty="0">
                 <a:solidFill>
                   <a:schemeClr val="dk2"/>
                 </a:solidFill>
@@ -9864,7 +9864,7 @@
               <a:t> feed. If it detects that you</a:t>
             </a:r>
             <a:r>
-              <a:rPr lang="en"/>
+              <a:rPr lang="en" dirty="0"/>
               <a:t>’re nearing the bottom of the page, it fetches more stories and displays them, making it infinite.</a:t>
             </a:r>
           </a:p>
@@ -9926,7 +9926,7 @@
           <a:p>
             <a:pPr marL="0" marR="0" lvl="0" indent="0" algn="l" rtl="0">
               <a:lnSpc>
-                <a:spcPct val="115000"/>
+                <a:spcPct val="100000"/>
               </a:lnSpc>
               <a:spcBef>
                 <a:spcPts val="0"/>
@@ -9942,7 +9942,7 @@
               <a:buNone/>
             </a:pPr>
             <a:r>
-              <a:rPr lang="en" sz="1800" b="1" i="0" u="none" strike="noStrike" cap="none">
+              <a:rPr lang="en" sz="1800" b="1" i="0" u="none" strike="noStrike" cap="none" dirty="0">
                 <a:solidFill>
                   <a:schemeClr val="dk2"/>
                 </a:solidFill>
@@ -9954,14 +9954,14 @@
               <a:t>On the Facebook homepage, you can search</a:t>
             </a:r>
             <a:r>
-              <a:rPr lang="en" b="1"/>
+              <a:rPr lang="en" b="1" dirty="0"/>
               <a:t>.</a:t>
             </a:r>
           </a:p>
           <a:p>
             <a:pPr marL="457200" marR="0" lvl="0" indent="-342900" algn="l" rtl="0">
               <a:lnSpc>
-                <a:spcPct val="115000"/>
+                <a:spcPct val="100000"/>
               </a:lnSpc>
               <a:spcBef>
                 <a:spcPts val="0"/>
@@ -9977,7 +9977,7 @@
               <a:buChar char="●"/>
             </a:pPr>
             <a:r>
-              <a:rPr lang="en" sz="1800" b="0" i="0" u="none" strike="noStrike" cap="none">
+              <a:rPr lang="en" sz="1800" b="0" i="0" u="none" strike="noStrike" cap="none" dirty="0">
                 <a:solidFill>
                   <a:schemeClr val="dk2"/>
                 </a:solidFill>
@@ -9989,11 +9989,11 @@
               <a:t>When you type something into the search box, </a:t>
             </a:r>
             <a:r>
-              <a:rPr lang="en"/>
+              <a:rPr lang="en" dirty="0"/>
               <a:t>the client-side code</a:t>
             </a:r>
             <a:r>
-              <a:rPr lang="en" sz="1800" b="0" i="0" u="none" strike="noStrike" cap="none">
+              <a:rPr lang="en" sz="1800" b="0" i="0" u="none" strike="noStrike" cap="none" dirty="0">
                 <a:solidFill>
                   <a:schemeClr val="dk2"/>
                 </a:solidFill>
@@ -10005,7 +10005,7 @@
               <a:t> will translate</a:t>
             </a:r>
             <a:r>
-              <a:rPr lang="en" b="0" i="0" u="none" strike="noStrike" cap="none">
+              <a:rPr lang="en" b="0" i="0" u="none" strike="noStrike" cap="none" dirty="0">
                 <a:solidFill>
                   <a:schemeClr val="dk2"/>
                 </a:solidFill>
@@ -10020,7 +10020,7 @@
           <a:p>
             <a:pPr marL="457200" marR="0" lvl="0" indent="-342900" algn="l" rtl="0">
               <a:lnSpc>
-                <a:spcPct val="115000"/>
+                <a:spcPct val="100000"/>
               </a:lnSpc>
               <a:spcBef>
                 <a:spcPts val="0"/>
@@ -10036,11 +10036,11 @@
               <a:buChar char="●"/>
             </a:pPr>
             <a:r>
-              <a:rPr lang="en"/>
+              <a:rPr lang="en" dirty="0"/>
               <a:t>The server-side code</a:t>
             </a:r>
             <a:r>
-              <a:rPr lang="en" b="0" i="0" u="none" strike="noStrike" cap="none">
+              <a:rPr lang="en" b="0" i="0" u="none" strike="noStrike" cap="none" dirty="0">
                 <a:solidFill>
                   <a:schemeClr val="dk2"/>
                 </a:solidFill>
@@ -10055,7 +10055,7 @@
           <a:p>
             <a:pPr marL="457200" marR="0" lvl="0" indent="-342900" algn="l" rtl="0">
               <a:lnSpc>
-                <a:spcPct val="115000"/>
+                <a:spcPct val="100000"/>
               </a:lnSpc>
               <a:spcBef>
                 <a:spcPts val="0"/>
@@ -10067,7 +10067,7 @@
               <a:buChar char="●"/>
             </a:pPr>
             <a:r>
-              <a:rPr lang="en"/>
+              <a:rPr lang="en" dirty="0"/>
               <a:t>The frontend renders those results.</a:t>
             </a:r>
           </a:p>
@@ -10190,7 +10190,7 @@
           <a:p>
             <a:pPr marL="0" marR="0" lvl="0" indent="0" algn="l" rtl="0">
               <a:lnSpc>
-                <a:spcPct val="115000"/>
+                <a:spcPct val="100000"/>
               </a:lnSpc>
               <a:spcBef>
                 <a:spcPts val="0"/>
@@ -10206,7 +10206,7 @@
               <a:buNone/>
             </a:pPr>
             <a:r>
-              <a:rPr lang="en" sz="1800" b="1" i="0" u="none" strike="noStrike" cap="none">
+              <a:rPr lang="en" sz="1800" b="1" i="0" u="none" strike="noStrike" cap="none" dirty="0">
                 <a:solidFill>
                   <a:schemeClr val="dk2"/>
                 </a:solidFill>
@@ -10218,7 +10218,7 @@
               <a:t>You will visit the homepage frequently -- it needs to be able to load </a:t>
             </a:r>
             <a:r>
-              <a:rPr lang="en" sz="1800" b="1" i="1" u="none" strike="noStrike" cap="none">
+              <a:rPr lang="en" sz="1800" b="1" i="1" u="none" strike="noStrike" cap="none" dirty="0">
                 <a:solidFill>
                   <a:schemeClr val="dk2"/>
                 </a:solidFill>
@@ -10230,7 +10230,7 @@
               <a:t>fast</a:t>
             </a:r>
             <a:r>
-              <a:rPr lang="en" sz="1800" b="1" i="0" u="none" strike="noStrike" cap="none">
+              <a:rPr lang="en" sz="1800" b="1" i="0" u="none" strike="noStrike" cap="none" dirty="0">
                 <a:solidFill>
                   <a:schemeClr val="dk2"/>
                 </a:solidFill>
@@ -10245,7 +10245,7 @@
           <a:p>
             <a:pPr marL="457200" marR="0" lvl="0" indent="-342900" algn="l" rtl="0">
               <a:lnSpc>
-                <a:spcPct val="115000"/>
+                <a:spcPct val="100000"/>
               </a:lnSpc>
               <a:spcBef>
                 <a:spcPts val="0"/>
@@ -10261,7 +10261,7 @@
               <a:buChar char="●"/>
             </a:pPr>
             <a:r>
-              <a:rPr lang="en" sz="1800" b="0" i="0" u="none" strike="noStrike" cap="none">
+              <a:rPr lang="en" sz="1800" b="0" i="0" u="none" strike="noStrike" cap="none" dirty="0">
                 <a:solidFill>
                   <a:schemeClr val="dk2"/>
                 </a:solidFill>
@@ -10276,7 +10276,7 @@
           <a:p>
             <a:pPr marL="457200" marR="0" lvl="0" indent="-342900" algn="l" rtl="0">
               <a:lnSpc>
-                <a:spcPct val="115000"/>
+                <a:spcPct val="100000"/>
               </a:lnSpc>
               <a:spcBef>
                 <a:spcPts val="0"/>
@@ -10292,14 +10292,14 @@
               <a:buChar char="●"/>
             </a:pPr>
             <a:r>
-              <a:rPr lang="en"/>
+              <a:rPr lang="en" dirty="0"/>
               <a:t>Caching is a technique for speeding up the loading/fetching of resources </a:t>
             </a:r>
           </a:p>
           <a:p>
             <a:pPr marL="457200" marR="0" lvl="0" indent="-342900" algn="l" rtl="0">
               <a:lnSpc>
-                <a:spcPct val="115000"/>
+                <a:spcPct val="100000"/>
               </a:lnSpc>
               <a:spcBef>
                 <a:spcPts val="0"/>
@@ -10315,11 +10315,11 @@
               <a:buChar char="●"/>
             </a:pPr>
             <a:r>
-              <a:rPr lang="en"/>
+              <a:rPr lang="en" dirty="0"/>
               <a:t>It speeds it up by saving </a:t>
             </a:r>
             <a:r>
-              <a:rPr lang="en" sz="1800" b="0" i="0" u="none" strike="noStrike" cap="none">
+              <a:rPr lang="en" sz="1800" b="0" i="0" u="none" strike="noStrike" cap="none" dirty="0">
                 <a:solidFill>
                   <a:schemeClr val="dk2"/>
                 </a:solidFill>
@@ -10331,11 +10331,11 @@
               <a:t>resources or computational results so that they don’t have to be fetched </a:t>
             </a:r>
             <a:r>
-              <a:rPr lang="en"/>
+              <a:rPr lang="en" dirty="0"/>
               <a:t>or calculated </a:t>
             </a:r>
             <a:r>
-              <a:rPr lang="en" sz="1800" b="0" i="0" u="none" strike="noStrike" cap="none">
+              <a:rPr lang="en" sz="1800" b="0" i="0" u="none" strike="noStrike" cap="none" dirty="0">
                 <a:solidFill>
                   <a:schemeClr val="dk2"/>
                 </a:solidFill>
@@ -10350,7 +10350,7 @@
           <a:p>
             <a:pPr marL="457200" marR="0" lvl="0" indent="-342900" algn="l" rtl="0">
               <a:lnSpc>
-                <a:spcPct val="115000"/>
+                <a:spcPct val="100000"/>
               </a:lnSpc>
               <a:spcBef>
                 <a:spcPts val="0"/>
@@ -10366,7 +10366,7 @@
               <a:buChar char="●"/>
             </a:pPr>
             <a:r>
-              <a:rPr lang="en" sz="1800" b="0" i="0" u="none" strike="noStrike" cap="none">
+              <a:rPr lang="en" sz="1800" b="0" i="0" u="none" strike="noStrike" cap="none" dirty="0">
                 <a:solidFill>
                   <a:schemeClr val="dk2"/>
                 </a:solidFill>
@@ -10381,7 +10381,7 @@
           <a:p>
             <a:pPr marL="457200" marR="0" lvl="0" indent="-342900" algn="l" rtl="0">
               <a:lnSpc>
-                <a:spcPct val="115000"/>
+                <a:spcPct val="100000"/>
               </a:lnSpc>
               <a:spcBef>
                 <a:spcPts val="0"/>
@@ -10397,7 +10397,7 @@
               <a:buChar char="●"/>
             </a:pPr>
             <a:r>
-              <a:rPr lang="en" sz="1800" b="0" i="0" u="none" strike="noStrike" cap="none">
+              <a:rPr lang="en" sz="1800" b="0" i="0" u="none" strike="noStrike" cap="none" dirty="0">
                 <a:solidFill>
                   <a:schemeClr val="dk2"/>
                 </a:solidFill>
@@ -10963,7 +10963,7 @@
                 <a:spcPts val="0"/>
               </a:spcBef>
               <a:spcAft>
-                <a:spcPts val="1000"/>
+                <a:spcPts val="0"/>
               </a:spcAft>
               <a:buClr>
                 <a:schemeClr val="dk2"/>
@@ -10973,11 +10973,11 @@
               <a:buChar char="●"/>
             </a:pPr>
             <a:r>
-              <a:rPr lang="en"/>
+              <a:rPr lang="en" dirty="0"/>
               <a:t>B</a:t>
             </a:r>
             <a:r>
-              <a:rPr lang="en" sz="1800" b="0" i="0" u="none" strike="noStrike" cap="none">
+              <a:rPr lang="en" sz="1800" b="0" i="0" u="none" strike="noStrike" cap="none" dirty="0">
                 <a:solidFill>
                   <a:schemeClr val="dk2"/>
                 </a:solidFill>
@@ -10989,11 +10989,11 @@
               <a:t>oils down to HTML, CSS, and Java</a:t>
             </a:r>
             <a:r>
-              <a:rPr lang="en"/>
+              <a:rPr lang="en" dirty="0"/>
               <a:t>S</a:t>
             </a:r>
             <a:r>
-              <a:rPr lang="en" sz="1800" b="0" i="0" u="none" strike="noStrike" cap="none">
+              <a:rPr lang="en" sz="1800" b="0" i="0" u="none" strike="noStrike" cap="none" dirty="0">
                 <a:solidFill>
                   <a:schemeClr val="dk2"/>
                 </a:solidFill>
@@ -11014,7 +11014,7 @@
                 <a:spcPts val="1600"/>
               </a:spcBef>
               <a:spcAft>
-                <a:spcPts val="1000"/>
+                <a:spcPts val="0"/>
               </a:spcAft>
               <a:buClr>
                 <a:schemeClr val="dk2"/>
@@ -11024,7 +11024,7 @@
               <a:buChar char="●"/>
             </a:pPr>
             <a:r>
-              <a:rPr lang="en" sz="1800" b="0" i="0" u="none" strike="noStrike" cap="none">
+              <a:rPr lang="en" sz="1800" b="0" i="0" u="none" strike="noStrike" cap="none" dirty="0">
                 <a:solidFill>
                   <a:schemeClr val="dk2"/>
                 </a:solidFill>
@@ -11036,11 +11036,11 @@
               <a:t>There are many templating systems built on top of HTML, so that you can specify placeholders in </a:t>
             </a:r>
             <a:r>
-              <a:rPr lang="en"/>
+              <a:rPr lang="en" dirty="0"/>
               <a:t>a </a:t>
             </a:r>
             <a:r>
-              <a:rPr lang="en" sz="1800" b="0" i="0" u="none" strike="noStrike" cap="none">
+              <a:rPr lang="en" sz="1800" b="0" i="0" u="none" strike="noStrike" cap="none" dirty="0">
                 <a:solidFill>
                   <a:schemeClr val="dk2"/>
                 </a:solidFill>
@@ -11061,7 +11061,7 @@
                 <a:spcPts val="1600"/>
               </a:spcBef>
               <a:spcAft>
-                <a:spcPts val="1000"/>
+                <a:spcPts val="0"/>
               </a:spcAft>
               <a:buClr>
                 <a:schemeClr val="dk2"/>
@@ -11071,7 +11071,7 @@
               <a:buChar char="●"/>
             </a:pPr>
             <a:r>
-              <a:rPr lang="en" sz="1800" b="0" i="0" u="none" strike="noStrike" cap="none">
+              <a:rPr lang="en" sz="1800" b="0" i="0" u="none" strike="noStrike" cap="none" dirty="0">
                 <a:solidFill>
                   <a:schemeClr val="dk2"/>
                 </a:solidFill>
@@ -11092,7 +11092,7 @@
                 <a:spcPts val="1600"/>
               </a:spcBef>
               <a:spcAft>
-                <a:spcPts val="1000"/>
+                <a:spcPts val="0"/>
               </a:spcAft>
               <a:buClr>
                 <a:schemeClr val="dk2"/>
@@ -11102,7 +11102,7 @@
               <a:buChar char="●"/>
             </a:pPr>
             <a:r>
-              <a:rPr lang="en" sz="1800" b="0" i="0" u="none" strike="noStrike" cap="none">
+              <a:rPr lang="en" sz="1800" b="0" i="0" u="none" strike="noStrike" cap="none" dirty="0">
                 <a:solidFill>
                   <a:schemeClr val="dk2"/>
                 </a:solidFill>
@@ -11114,7 +11114,7 @@
               <a:t>There are many, </a:t>
             </a:r>
             <a:r>
-              <a:rPr lang="en" sz="1800" b="0" i="1" u="none" strike="noStrike" cap="none">
+              <a:rPr lang="en" sz="1800" b="0" i="1" u="none" strike="noStrike" cap="none" dirty="0">
                 <a:solidFill>
                   <a:schemeClr val="dk2"/>
                 </a:solidFill>
@@ -11126,7 +11126,7 @@
               <a:t>many</a:t>
             </a:r>
             <a:r>
-              <a:rPr lang="en" sz="1800" b="0" i="0" u="none" strike="noStrike" cap="none">
+              <a:rPr lang="en" sz="1800" b="0" i="0" u="none" strike="noStrike" cap="none" dirty="0">
                 <a:solidFill>
                   <a:schemeClr val="dk2"/>
                 </a:solidFill>
@@ -11138,11 +11138,11 @@
               <a:t> Java</a:t>
             </a:r>
             <a:r>
-              <a:rPr lang="en"/>
+              <a:rPr lang="en" dirty="0"/>
               <a:t>S</a:t>
             </a:r>
             <a:r>
-              <a:rPr lang="en" sz="1800" b="0" i="0" u="none" strike="noStrike" cap="none">
+              <a:rPr lang="en" sz="1800" b="0" i="0" u="none" strike="noStrike" cap="none" dirty="0">
                 <a:solidFill>
                   <a:schemeClr val="dk2"/>
                 </a:solidFill>
@@ -11154,11 +11154,11 @@
               <a:t>cript frameworks and libraries that speed up your frontend development. There are ways to help you organize your Java</a:t>
             </a:r>
             <a:r>
-              <a:rPr lang="en"/>
+              <a:rPr lang="en" dirty="0"/>
               <a:t>S</a:t>
             </a:r>
             <a:r>
-              <a:rPr lang="en" sz="1800" b="0" i="0" u="none" strike="noStrike" cap="none">
+              <a:rPr lang="en" sz="1800" b="0" i="0" u="none" strike="noStrike" cap="none" dirty="0">
                 <a:solidFill>
                   <a:schemeClr val="dk2"/>
                 </a:solidFill>
@@ -11289,7 +11289,7 @@
           <a:p>
             <a:pPr marL="457200" marR="0" lvl="0" indent="-342900" algn="l" rtl="0">
               <a:lnSpc>
-                <a:spcPct val="115000"/>
+                <a:spcPct val="100000"/>
               </a:lnSpc>
               <a:spcBef>
                 <a:spcPts val="0"/>
@@ -11320,7 +11320,7 @@
           <a:p>
             <a:pPr marL="457200" marR="0" lvl="0" indent="-342900" algn="l" rtl="0">
               <a:lnSpc>
-                <a:spcPct val="115000"/>
+                <a:spcPct val="100000"/>
               </a:lnSpc>
               <a:spcBef>
                 <a:spcPts val="1600"/>
@@ -11351,7 +11351,7 @@
           <a:p>
             <a:pPr marL="457200" marR="0" lvl="0" indent="-342900" algn="l" rtl="0">
               <a:lnSpc>
-                <a:spcPct val="115000"/>
+                <a:spcPct val="100000"/>
               </a:lnSpc>
               <a:spcBef>
                 <a:spcPts val="1600"/>
@@ -11413,7 +11413,7 @@
           <a:p>
             <a:pPr marL="914400" marR="0" lvl="1" indent="-317500" algn="l" rtl="0">
               <a:lnSpc>
-                <a:spcPct val="115000"/>
+                <a:spcPct val="100000"/>
               </a:lnSpc>
               <a:spcAft>
                 <a:spcPts val="0"/>
@@ -12096,12 +12096,17 @@
               <a:buChar char="●"/>
             </a:pPr>
             <a:r>
-              <a:rPr lang="en"/>
-              <a:t>Frontend: displays data</a:t>
-            </a:r>
+              <a:rPr lang="en" dirty="0"/>
+              <a:t>Frontend: displays </a:t>
+            </a:r>
+            <a:r>
+              <a:rPr lang="en" dirty="0" smtClean="0"/>
+              <a:t>data</a:t>
+            </a:r>
+            <a:endParaRPr lang="en-US" dirty="0" smtClean="0"/>
           </a:p>
           <a:p>
-            <a:pPr marL="457200" marR="0" lvl="0" indent="-342900" algn="l" rtl="0">
+            <a:pPr marL="457200" marR="0" lvl="0" indent="-228600" algn="l" rtl="0">
               <a:lnSpc>
                 <a:spcPct val="115000"/>
               </a:lnSpc>
@@ -12111,15 +12116,10 @@
               <a:spcAft>
                 <a:spcPts val="1000"/>
               </a:spcAft>
-              <a:buClr>
-                <a:schemeClr val="dk2"/>
-              </a:buClr>
-              <a:buSzPct val="100000"/>
-              <a:buFont typeface="Open Sans"/>
               <a:buChar char="●"/>
             </a:pPr>
             <a:r>
-              <a:rPr lang="en" sz="1800" b="0" i="0" u="none" strike="noStrike" cap="none">
+              <a:rPr lang="en" sz="1800" b="0" i="0" u="none" strike="noStrike" cap="none" dirty="0" smtClean="0">
                 <a:solidFill>
                   <a:schemeClr val="dk2"/>
                 </a:solidFill>
@@ -12128,7 +12128,19 @@
                 <a:cs typeface="Open Sans"/>
                 <a:sym typeface="Open Sans"/>
               </a:rPr>
-              <a:t>Backend: shuttles data around</a:t>
+              <a:t>Backend</a:t>
+            </a:r>
+            <a:r>
+              <a:rPr lang="en" sz="1800" b="0" i="0" u="none" strike="noStrike" cap="none" dirty="0">
+                <a:solidFill>
+                  <a:schemeClr val="dk2"/>
+                </a:solidFill>
+                <a:latin typeface="Open Sans"/>
+                <a:ea typeface="Open Sans"/>
+                <a:cs typeface="Open Sans"/>
+                <a:sym typeface="Open Sans"/>
+              </a:rPr>
+              <a:t>: shuttles data around</a:t>
             </a:r>
           </a:p>
           <a:p>
@@ -12149,7 +12161,7 @@
               <a:buFont typeface="Open Sans"/>
               <a:buNone/>
             </a:pPr>
-            <a:endParaRPr/>
+            <a:endParaRPr dirty="0"/>
           </a:p>
         </p:txBody>
       </p:sp>
@@ -12270,7 +12282,7 @@
           <a:p>
             <a:pPr marL="0" marR="0" lvl="0" indent="0" algn="l" rtl="0">
               <a:lnSpc>
-                <a:spcPct val="115000"/>
+                <a:spcPct val="100000"/>
               </a:lnSpc>
               <a:spcBef>
                 <a:spcPts val="0"/>
@@ -12286,7 +12298,7 @@
               <a:buNone/>
             </a:pPr>
             <a:r>
-              <a:rPr lang="en" sz="1800" b="0" i="0" u="none" strike="noStrike" cap="none">
+              <a:rPr lang="en" sz="1800" b="0" i="0" u="none" strike="noStrike" cap="none" dirty="0">
                 <a:solidFill>
                   <a:schemeClr val="dk2"/>
                 </a:solidFill>
@@ -12301,7 +12313,7 @@
           <a:p>
             <a:pPr marL="457200" marR="0" lvl="0" indent="-342900" algn="l" rtl="0">
               <a:lnSpc>
-                <a:spcPct val="115000"/>
+                <a:spcPct val="100000"/>
               </a:lnSpc>
               <a:spcBef>
                 <a:spcPts val="1600"/>
@@ -12317,7 +12329,7 @@
               <a:buAutoNum type="arabicPeriod"/>
             </a:pPr>
             <a:r>
-              <a:rPr lang="en" sz="1800" b="0" i="0" u="none" strike="noStrike" cap="none">
+              <a:rPr lang="en" sz="1800" b="0" i="0" u="none" strike="noStrike" cap="none" dirty="0">
                 <a:solidFill>
                   <a:schemeClr val="dk2"/>
                 </a:solidFill>
@@ -12332,7 +12344,7 @@
           <a:p>
             <a:pPr marL="457200" marR="0" lvl="0" indent="-342900" algn="l" rtl="0">
               <a:lnSpc>
-                <a:spcPct val="115000"/>
+                <a:spcPct val="100000"/>
               </a:lnSpc>
               <a:spcBef>
                 <a:spcPts val="1600"/>
@@ -12348,7 +12360,7 @@
               <a:buAutoNum type="arabicPeriod"/>
             </a:pPr>
             <a:r>
-              <a:rPr lang="en" sz="1800" b="0" i="0" u="none" strike="noStrike" cap="none">
+              <a:rPr lang="en" sz="1800" b="0" i="0" u="none" strike="noStrike" cap="none" dirty="0">
                 <a:solidFill>
                   <a:schemeClr val="dk2"/>
                 </a:solidFill>
@@ -12363,7 +12375,7 @@
           <a:p>
             <a:pPr marL="457200" marR="0" lvl="0" indent="-342900" algn="l" rtl="0">
               <a:lnSpc>
-                <a:spcPct val="115000"/>
+                <a:spcPct val="100000"/>
               </a:lnSpc>
               <a:spcBef>
                 <a:spcPts val="1600"/>
@@ -12379,7 +12391,7 @@
               <a:buAutoNum type="arabicPeriod"/>
             </a:pPr>
             <a:r>
-              <a:rPr lang="en" sz="1800" b="0" i="0" u="none" strike="noStrike" cap="none">
+              <a:rPr lang="en" sz="1800" b="0" i="0" u="none" strike="noStrike" cap="none" dirty="0">
                 <a:solidFill>
                   <a:schemeClr val="dk2"/>
                 </a:solidFill>
@@ -12391,11 +12403,11 @@
               <a:t>On the Facebook homepage, </a:t>
             </a:r>
             <a:r>
-              <a:rPr lang="en"/>
+              <a:rPr lang="en" dirty="0"/>
               <a:t>the</a:t>
             </a:r>
             <a:r>
-              <a:rPr lang="en" sz="1800" b="0" i="0" u="none" strike="noStrike" cap="none">
+              <a:rPr lang="en" sz="1800" b="0" i="0" u="none" strike="noStrike" cap="none" dirty="0">
                 <a:solidFill>
                   <a:schemeClr val="dk2"/>
                 </a:solidFill>
@@ -12410,7 +12422,7 @@
           <a:p>
             <a:pPr marL="457200" marR="0" lvl="0" indent="-342900" algn="l" rtl="0">
               <a:lnSpc>
-                <a:spcPct val="115000"/>
+                <a:spcPct val="100000"/>
               </a:lnSpc>
               <a:spcBef>
                 <a:spcPts val="1600"/>
@@ -12426,7 +12438,7 @@
               <a:buAutoNum type="arabicPeriod"/>
             </a:pPr>
             <a:r>
-              <a:rPr lang="en" sz="1800" b="0" i="0" u="none" strike="noStrike" cap="none">
+              <a:rPr lang="en" sz="1800" b="0" i="0" u="none" strike="noStrike" cap="none" dirty="0">
                 <a:solidFill>
                   <a:schemeClr val="dk2"/>
                 </a:solidFill>
@@ -12438,14 +12450,14 @@
               <a:t>On the Facebook homepage, you can search</a:t>
             </a:r>
             <a:r>
-              <a:rPr lang="en"/>
+              <a:rPr lang="en" dirty="0"/>
               <a:t>.</a:t>
             </a:r>
           </a:p>
           <a:p>
             <a:pPr marL="457200" marR="0" lvl="0" indent="-342900" algn="l" rtl="0">
               <a:lnSpc>
-                <a:spcPct val="115000"/>
+                <a:spcPct val="100000"/>
               </a:lnSpc>
               <a:spcBef>
                 <a:spcPts val="1600"/>
@@ -12461,7 +12473,7 @@
               <a:buAutoNum type="arabicPeriod"/>
             </a:pPr>
             <a:r>
-              <a:rPr lang="en" sz="1800" b="0" i="0" u="none" strike="noStrike" cap="none">
+              <a:rPr lang="en" sz="1800" b="0" i="0" u="none" strike="noStrike" cap="none" dirty="0">
                 <a:solidFill>
                   <a:schemeClr val="dk2"/>
                 </a:solidFill>
@@ -12473,7 +12485,7 @@
               <a:t>You will visit the homepage frequently -- it needs to be able to load </a:t>
             </a:r>
             <a:r>
-              <a:rPr lang="en" sz="1800" b="0" i="1" u="none" strike="noStrike" cap="none">
+              <a:rPr lang="en" sz="1800" b="0" i="1" u="none" strike="noStrike" cap="none" dirty="0">
                 <a:solidFill>
                   <a:schemeClr val="dk2"/>
                 </a:solidFill>
@@ -12485,7 +12497,7 @@
               <a:t>fast</a:t>
             </a:r>
             <a:r>
-              <a:rPr lang="en" sz="1800" b="0" i="0" u="none" strike="noStrike" cap="none">
+              <a:rPr lang="en" sz="1800" b="0" i="0" u="none" strike="noStrike" cap="none" dirty="0">
                 <a:solidFill>
                   <a:schemeClr val="dk2"/>
                 </a:solidFill>
@@ -12616,7 +12628,7 @@
           <a:p>
             <a:pPr marL="0" marR="0" lvl="0" indent="0" algn="l" rtl="0">
               <a:lnSpc>
-                <a:spcPct val="115000"/>
+                <a:spcPct val="100000"/>
               </a:lnSpc>
               <a:spcBef>
                 <a:spcPts val="0"/>
@@ -12632,7 +12644,7 @@
               <a:buNone/>
             </a:pPr>
             <a:r>
-              <a:rPr lang="en" sz="1800" b="1" i="0" u="none" strike="noStrike" cap="none">
+              <a:rPr lang="en" sz="1800" b="1" i="0" u="none" strike="noStrike" cap="none" dirty="0">
                 <a:solidFill>
                   <a:schemeClr val="dk2"/>
                 </a:solidFill>
@@ -12647,7 +12659,7 @@
           <a:p>
             <a:pPr marL="457200" marR="0" lvl="0" indent="-342900" algn="l" rtl="0">
               <a:lnSpc>
-                <a:spcPct val="115000"/>
+                <a:spcPct val="100000"/>
               </a:lnSpc>
               <a:spcBef>
                 <a:spcPts val="1600"/>
@@ -12663,7 +12675,7 @@
               <a:buChar char="●"/>
             </a:pPr>
             <a:r>
-              <a:rPr lang="en" sz="1800" b="0" i="0" u="none" strike="noStrike" cap="none">
+              <a:rPr lang="en" sz="1800" b="0" i="0" u="none" strike="noStrike" cap="none" dirty="0">
                 <a:solidFill>
                   <a:schemeClr val="dk2"/>
                 </a:solidFill>
@@ -12678,7 +12690,7 @@
           <a:p>
             <a:pPr marL="457200" marR="0" lvl="0" indent="-342900" algn="l" rtl="0">
               <a:lnSpc>
-                <a:spcPct val="115000"/>
+                <a:spcPct val="100000"/>
               </a:lnSpc>
               <a:spcBef>
                 <a:spcPts val="1600"/>
@@ -12694,7 +12706,7 @@
               <a:buChar char="●"/>
             </a:pPr>
             <a:r>
-              <a:rPr lang="en" sz="1800" b="0" i="0" u="none" strike="noStrike" cap="none">
+              <a:rPr lang="en" sz="1800" b="0" i="0" u="none" strike="noStrike" cap="none" dirty="0">
                 <a:solidFill>
                   <a:schemeClr val="dk2"/>
                 </a:solidFill>
@@ -12709,7 +12721,7 @@
           <a:p>
             <a:pPr marL="457200" marR="0" lvl="0" indent="-342900" algn="l" rtl="0">
               <a:lnSpc>
-                <a:spcPct val="115000"/>
+                <a:spcPct val="100000"/>
               </a:lnSpc>
               <a:spcBef>
                 <a:spcPts val="1600"/>
@@ -12725,7 +12737,7 @@
               <a:buChar char="●"/>
             </a:pPr>
             <a:r>
-              <a:rPr lang="en" sz="1800" b="0" i="0" u="none" strike="noStrike" cap="none">
+              <a:rPr lang="en" sz="1800" b="0" i="0" u="none" strike="noStrike" cap="none" dirty="0">
                 <a:solidFill>
                   <a:schemeClr val="dk2"/>
                 </a:solidFill>
